--- a/Later/Spring_Later/20.1_SpringBoot_Basics/10/Spring Boot_ContextPath_Program.pptx
+++ b/Later/Spring_Later/20.1_SpringBoot_Basics/10/Spring Boot_ContextPath_Program.pptx
@@ -3691,8 +3691,8 @@
         </p:nvSpPr>
         <p:spPr>
           <a:xfrm>
-            <a:off x="3200400" y="35739"/>
-            <a:ext cx="2133600" cy="276999"/>
+            <a:off x="1676400" y="35739"/>
+            <a:ext cx="5867400" cy="276999"/>
           </a:xfrm>
           <a:prstGeom prst="rect">
             <a:avLst/>
@@ -3812,26 +3812,120 @@
             </a:lvl9pPr>
           </a:lstStyle>
           <a:p>
+            <a:pPr algn="ctr"/>
             <a:r>
               <a:rPr lang="en-US" sz="1200" dirty="0"/>
-              <a:t>Priority Order of Configurations</a:t>
-            </a:r>
-          </a:p>
-        </p:txBody>
-      </p:sp>
-      <p:sp>
-        <p:nvSpPr>
-          <p:cNvPr id="5" name="Rectangle 4"/>
-          <p:cNvSpPr/>
+              <a:t>Spring Boot – How to Change Default Context </a:t>
+            </a:r>
+            <a:r>
+              <a:rPr lang="en-US" sz="1200" dirty="0" smtClean="0"/>
+              <a:t>Path and port </a:t>
+            </a:r>
+            <a:r>
+              <a:rPr lang="en-US" sz="1200" dirty="0"/>
+              <a:t>u</a:t>
+            </a:r>
+            <a:r>
+              <a:rPr lang="en-US" sz="1200" dirty="0" smtClean="0"/>
+              <a:t>sing </a:t>
+            </a:r>
+            <a:r>
+              <a:rPr lang="en-US" sz="1200" dirty="0"/>
+              <a:t>Java System </a:t>
+            </a:r>
+            <a:r>
+              <a:rPr lang="en-US" sz="1200" dirty="0" smtClean="0"/>
+              <a:t>Property</a:t>
+            </a:r>
+            <a:r>
+              <a:rPr lang="en-US" sz="1200" dirty="0" smtClean="0"/>
+              <a:t>? </a:t>
+            </a:r>
+            <a:endParaRPr lang="en-US" sz="1200" dirty="0"/>
+          </a:p>
+        </p:txBody>
+      </p:sp>
+      <p:pic>
+        <p:nvPicPr>
+          <p:cNvPr id="1026" name="Picture 2"/>
+          <p:cNvPicPr>
+            <a:picLocks noChangeAspect="1" noChangeArrowheads="1"/>
+          </p:cNvPicPr>
           <p:nvPr/>
-        </p:nvSpPr>
-        <p:spPr>
+        </p:nvPicPr>
+        <p:blipFill>
+          <a:blip r:embed="rId3">
+            <a:extLst>
+              <a:ext uri="{28A0092B-C50C-407E-A947-70E740481C1C}">
+                <a14:useLocalDpi xmlns:a14="http://schemas.microsoft.com/office/drawing/2010/main" val="0"/>
+              </a:ext>
+            </a:extLst>
+          </a:blip>
+          <a:srcRect/>
+          <a:stretch>
+            <a:fillRect/>
+          </a:stretch>
+        </p:blipFill>
+        <p:spPr bwMode="auto">
           <a:xfrm>
-            <a:off x="307975" y="762000"/>
-            <a:ext cx="8683625" cy="2133600"/>
+            <a:off x="130437" y="838199"/>
+            <a:ext cx="5973763" cy="4067175"/>
           </a:xfrm>
           <a:prstGeom prst="rect">
             <a:avLst/>
+          </a:prstGeom>
+          <a:noFill/>
+          <a:ln>
+            <a:noFill/>
+          </a:ln>
+          <a:effectLst/>
+          <a:extLst>
+            <a:ext uri="{909E8E84-426E-40DD-AFC4-6F175D3DCCD1}">
+              <a14:hiddenFill xmlns:a14="http://schemas.microsoft.com/office/drawing/2010/main">
+                <a:solidFill>
+                  <a:schemeClr val="accent1"/>
+                </a:solidFill>
+              </a14:hiddenFill>
+            </a:ext>
+            <a:ext uri="{91240B29-F687-4F45-9708-019B960494DF}">
+              <a14:hiddenLine xmlns:a14="http://schemas.microsoft.com/office/drawing/2010/main" w="9525">
+                <a:solidFill>
+                  <a:schemeClr val="tx1"/>
+                </a:solidFill>
+                <a:miter lim="800000"/>
+                <a:headEnd/>
+                <a:tailEnd/>
+              </a14:hiddenLine>
+            </a:ext>
+            <a:ext uri="{AF507438-7753-43E0-B8FC-AC1667EBCBE1}">
+              <a14:hiddenEffects xmlns:a14="http://schemas.microsoft.com/office/drawing/2010/main">
+                <a:effectLst>
+                  <a:outerShdw dist="35921" dir="2700000" algn="ctr" rotWithShape="0">
+                    <a:schemeClr val="bg2"/>
+                  </a:outerShdw>
+                </a:effectLst>
+              </a14:hiddenEffects>
+            </a:ext>
+          </a:extLst>
+        </p:spPr>
+      </p:pic>
+      <p:sp>
+        <p:nvSpPr>
+          <p:cNvPr id="4" name="Rounded Rectangular Callout 3"/>
+          <p:cNvSpPr/>
+          <p:nvPr/>
+        </p:nvSpPr>
+        <p:spPr>
+          <a:xfrm>
+            <a:off x="4191000" y="3962400"/>
+            <a:ext cx="4724400" cy="612648"/>
+          </a:xfrm>
+          <a:prstGeom prst="wedgeRoundRectCallout">
+            <a:avLst>
+              <a:gd name="adj1" fmla="val -15247"/>
+              <a:gd name="adj2" fmla="val -194463"/>
+              <a:gd name="adj3" fmla="val 16667"/>
+            </a:avLst>
           </a:prstGeom>
           <a:ln w="3175"/>
         </p:spPr>
@@ -3855,141 +3949,17 @@
           <a:p>
             <a:r>
               <a:rPr lang="en-US" sz="1200" dirty="0"/>
-              <a:t>With this many options, we may end up having more than one configuration for the same property.</a:t>
-            </a:r>
-          </a:p>
-          <a:p>
+              <a:t>We can also set the context </a:t>
+            </a:r>
+            <a:r>
+              <a:rPr lang="en-US" sz="1200" dirty="0" smtClean="0"/>
+              <a:t>path and port number </a:t>
+            </a:r>
+            <a:r>
+              <a:rPr lang="en-US" sz="1200" dirty="0"/>
+              <a:t>as a Java system property before even the context is initialized:</a:t>
+            </a:r>
             <a:endParaRPr lang="en-US" sz="1200" dirty="0"/>
-          </a:p>
-          <a:p>
-            <a:r>
-              <a:rPr lang="en-US" sz="1200" dirty="0"/>
-              <a:t>Here’s the priority order in descending order, which Spring Boot uses to select the effective configuration:</a:t>
-            </a:r>
-          </a:p>
-          <a:p>
-            <a:endParaRPr lang="en-US" sz="1200" dirty="0"/>
-          </a:p>
-          <a:p>
-            <a:pPr marL="685800" lvl="1" indent="-228600">
-              <a:buFont typeface="+mj-lt"/>
-              <a:buAutoNum type="arabicPeriod"/>
-            </a:pPr>
-            <a:r>
-              <a:rPr lang="en-US" sz="1200" dirty="0"/>
-              <a:t>Java </a:t>
-            </a:r>
-            <a:r>
-              <a:rPr lang="en-US" sz="1200" dirty="0" err="1"/>
-              <a:t>Config</a:t>
-            </a:r>
-            <a:endParaRPr lang="en-US" sz="1200" dirty="0"/>
-          </a:p>
-          <a:p>
-            <a:pPr marL="685800" lvl="1" indent="-228600">
-              <a:buFont typeface="+mj-lt"/>
-              <a:buAutoNum type="arabicPeriod"/>
-            </a:pPr>
-            <a:r>
-              <a:rPr lang="en-US" sz="1200" dirty="0"/>
-              <a:t>Command Line Arguments</a:t>
-            </a:r>
-          </a:p>
-          <a:p>
-            <a:pPr marL="685800" lvl="1" indent="-228600">
-              <a:buFont typeface="+mj-lt"/>
-              <a:buAutoNum type="arabicPeriod"/>
-            </a:pPr>
-            <a:r>
-              <a:rPr lang="en-US" sz="1200" dirty="0"/>
-              <a:t>Java System Properties</a:t>
-            </a:r>
-          </a:p>
-          <a:p>
-            <a:pPr marL="685800" lvl="1" indent="-228600">
-              <a:buFont typeface="+mj-lt"/>
-              <a:buAutoNum type="arabicPeriod"/>
-            </a:pPr>
-            <a:r>
-              <a:rPr lang="en-US" sz="1200" dirty="0"/>
-              <a:t>OS Environment Variables</a:t>
-            </a:r>
-          </a:p>
-          <a:p>
-            <a:pPr marL="685800" lvl="1" indent="-228600">
-              <a:buFont typeface="+mj-lt"/>
-              <a:buAutoNum type="arabicPeriod"/>
-            </a:pPr>
-            <a:r>
-              <a:rPr lang="en-US" sz="1200" dirty="0" err="1"/>
-              <a:t>application.properties</a:t>
-            </a:r>
-            <a:r>
-              <a:rPr lang="en-US" sz="1200" dirty="0"/>
-              <a:t> in Current Directory</a:t>
-            </a:r>
-          </a:p>
-          <a:p>
-            <a:pPr marL="685800" lvl="1" indent="-228600">
-              <a:buFont typeface="+mj-lt"/>
-              <a:buAutoNum type="arabicPeriod"/>
-            </a:pPr>
-            <a:r>
-              <a:rPr lang="en-US" sz="1200" dirty="0" err="1"/>
-              <a:t>application.properties</a:t>
-            </a:r>
-            <a:r>
-              <a:rPr lang="en-US" sz="1200" dirty="0"/>
-              <a:t> in the </a:t>
-            </a:r>
-            <a:r>
-              <a:rPr lang="en-US" sz="1200" dirty="0" err="1"/>
-              <a:t>classpath</a:t>
-            </a:r>
-            <a:r>
-              <a:rPr lang="en-US" sz="1200" dirty="0"/>
-              <a:t> (</a:t>
-            </a:r>
-            <a:r>
-              <a:rPr lang="en-US" sz="1200" dirty="0" err="1"/>
-              <a:t>src</a:t>
-            </a:r>
-            <a:r>
-              <a:rPr lang="en-US" sz="1200" dirty="0"/>
-              <a:t>/main/resources or the packaged jar file)</a:t>
-            </a:r>
-            <a:endParaRPr lang="en-US" sz="1200" dirty="0"/>
-          </a:p>
-        </p:txBody>
-      </p:sp>
-      <p:sp>
-        <p:nvSpPr>
-          <p:cNvPr id="7" name="Rectangle 6"/>
-          <p:cNvSpPr/>
-          <p:nvPr/>
-        </p:nvSpPr>
-        <p:spPr>
-          <a:xfrm>
-            <a:off x="914400" y="3048000"/>
-            <a:ext cx="4572000" cy="646331"/>
-          </a:xfrm>
-          <a:prstGeom prst="rect">
-            <a:avLst/>
-          </a:prstGeom>
-        </p:spPr>
-        <p:txBody>
-          <a:bodyPr>
-            <a:spAutoFit/>
-          </a:bodyPr>
-          <a:lstStyle/>
-          <a:p>
-            <a:r>
-              <a:rPr lang="en-US" dirty="0">
-                <a:hlinkClick r:id="rId3"/>
-              </a:rPr>
-              <a:t>https://www.concretepage.com/spring-boot/spring-boot-change-context-path</a:t>
-            </a:r>
-            <a:endParaRPr lang="en-US" dirty="0"/>
           </a:p>
         </p:txBody>
       </p:sp>
